--- a/src/kimbongkook/Linux.pptx
+++ b/src/kimbongkook/Linux.pptx
@@ -17,7 +17,12 @@
     <p:sldId id="270" r:id="rId11"/>
     <p:sldId id="272" r:id="rId12"/>
     <p:sldId id="271" r:id="rId13"/>
-    <p:sldId id="259" r:id="rId14"/>
+    <p:sldId id="274" r:id="rId14"/>
+    <p:sldId id="275" r:id="rId15"/>
+    <p:sldId id="276" r:id="rId16"/>
+    <p:sldId id="277" r:id="rId17"/>
+    <p:sldId id="278" r:id="rId18"/>
+    <p:sldId id="259" r:id="rId19"/>
   </p:sldIdLst>
   <p:sldSz cx="12192000" cy="6858000"/>
   <p:notesSz cx="6858000" cy="9144000"/>
@@ -255,7 +260,7 @@
           <a:p>
             <a:fld id="{0C6BD7B1-A6D5-47C3-8D9F-E76788F46B2D}" type="datetimeFigureOut">
               <a:rPr lang="ko-KR" altLang="en-US" smtClean="0"/>
-              <a:t>2019-02-24</a:t>
+              <a:t>2019-02-25</a:t>
             </a:fld>
             <a:endParaRPr lang="ko-KR" altLang="en-US"/>
           </a:p>
@@ -425,7 +430,7 @@
           <a:p>
             <a:fld id="{0C6BD7B1-A6D5-47C3-8D9F-E76788F46B2D}" type="datetimeFigureOut">
               <a:rPr lang="ko-KR" altLang="en-US" smtClean="0"/>
-              <a:t>2019-02-24</a:t>
+              <a:t>2019-02-25</a:t>
             </a:fld>
             <a:endParaRPr lang="ko-KR" altLang="en-US"/>
           </a:p>
@@ -605,7 +610,7 @@
           <a:p>
             <a:fld id="{0C6BD7B1-A6D5-47C3-8D9F-E76788F46B2D}" type="datetimeFigureOut">
               <a:rPr lang="ko-KR" altLang="en-US" smtClean="0"/>
-              <a:t>2019-02-24</a:t>
+              <a:t>2019-02-25</a:t>
             </a:fld>
             <a:endParaRPr lang="ko-KR" altLang="en-US"/>
           </a:p>
@@ -775,7 +780,7 @@
           <a:p>
             <a:fld id="{0C6BD7B1-A6D5-47C3-8D9F-E76788F46B2D}" type="datetimeFigureOut">
               <a:rPr lang="ko-KR" altLang="en-US" smtClean="0"/>
-              <a:t>2019-02-24</a:t>
+              <a:t>2019-02-25</a:t>
             </a:fld>
             <a:endParaRPr lang="ko-KR" altLang="en-US"/>
           </a:p>
@@ -1021,7 +1026,7 @@
           <a:p>
             <a:fld id="{0C6BD7B1-A6D5-47C3-8D9F-E76788F46B2D}" type="datetimeFigureOut">
               <a:rPr lang="ko-KR" altLang="en-US" smtClean="0"/>
-              <a:t>2019-02-24</a:t>
+              <a:t>2019-02-25</a:t>
             </a:fld>
             <a:endParaRPr lang="ko-KR" altLang="en-US"/>
           </a:p>
@@ -1253,7 +1258,7 @@
           <a:p>
             <a:fld id="{0C6BD7B1-A6D5-47C3-8D9F-E76788F46B2D}" type="datetimeFigureOut">
               <a:rPr lang="ko-KR" altLang="en-US" smtClean="0"/>
-              <a:t>2019-02-24</a:t>
+              <a:t>2019-02-25</a:t>
             </a:fld>
             <a:endParaRPr lang="ko-KR" altLang="en-US"/>
           </a:p>
@@ -1620,7 +1625,7 @@
           <a:p>
             <a:fld id="{0C6BD7B1-A6D5-47C3-8D9F-E76788F46B2D}" type="datetimeFigureOut">
               <a:rPr lang="ko-KR" altLang="en-US" smtClean="0"/>
-              <a:t>2019-02-24</a:t>
+              <a:t>2019-02-25</a:t>
             </a:fld>
             <a:endParaRPr lang="ko-KR" altLang="en-US"/>
           </a:p>
@@ -1738,7 +1743,7 @@
           <a:p>
             <a:fld id="{0C6BD7B1-A6D5-47C3-8D9F-E76788F46B2D}" type="datetimeFigureOut">
               <a:rPr lang="ko-KR" altLang="en-US" smtClean="0"/>
-              <a:t>2019-02-24</a:t>
+              <a:t>2019-02-25</a:t>
             </a:fld>
             <a:endParaRPr lang="ko-KR" altLang="en-US"/>
           </a:p>
@@ -1833,7 +1838,7 @@
           <a:p>
             <a:fld id="{0C6BD7B1-A6D5-47C3-8D9F-E76788F46B2D}" type="datetimeFigureOut">
               <a:rPr lang="ko-KR" altLang="en-US" smtClean="0"/>
-              <a:t>2019-02-24</a:t>
+              <a:t>2019-02-25</a:t>
             </a:fld>
             <a:endParaRPr lang="ko-KR" altLang="en-US"/>
           </a:p>
@@ -2110,7 +2115,7 @@
           <a:p>
             <a:fld id="{0C6BD7B1-A6D5-47C3-8D9F-E76788F46B2D}" type="datetimeFigureOut">
               <a:rPr lang="ko-KR" altLang="en-US" smtClean="0"/>
-              <a:t>2019-02-24</a:t>
+              <a:t>2019-02-25</a:t>
             </a:fld>
             <a:endParaRPr lang="ko-KR" altLang="en-US"/>
           </a:p>
@@ -2367,7 +2372,7 @@
           <a:p>
             <a:fld id="{0C6BD7B1-A6D5-47C3-8D9F-E76788F46B2D}" type="datetimeFigureOut">
               <a:rPr lang="ko-KR" altLang="en-US" smtClean="0"/>
-              <a:t>2019-02-24</a:t>
+              <a:t>2019-02-25</a:t>
             </a:fld>
             <a:endParaRPr lang="ko-KR" altLang="en-US"/>
           </a:p>
@@ -2580,7 +2585,7 @@
           <a:p>
             <a:fld id="{0C6BD7B1-A6D5-47C3-8D9F-E76788F46B2D}" type="datetimeFigureOut">
               <a:rPr lang="ko-KR" altLang="en-US" smtClean="0"/>
-              <a:t>2019-02-24</a:t>
+              <a:t>2019-02-25</a:t>
             </a:fld>
             <a:endParaRPr lang="ko-KR" altLang="en-US"/>
           </a:p>
@@ -3657,6 +3662,900 @@
       </p:grpSpPr>
       <p:sp>
         <p:nvSpPr>
+          <p:cNvPr id="4" name="제목 3">
+            <a:extLst>
+              <a:ext uri="{FF2B5EF4-FFF2-40B4-BE49-F238E27FC236}">
+                <a16:creationId xmlns:a16="http://schemas.microsoft.com/office/drawing/2014/main" id="{4D36BA04-FD09-4A05-B1BB-1C672C20AE5C}"/>
+              </a:ext>
+            </a:extLst>
+          </p:cNvPr>
+          <p:cNvSpPr>
+            <a:spLocks noGrp="1"/>
+          </p:cNvSpPr>
+          <p:nvPr>
+            <p:ph type="title"/>
+          </p:nvPr>
+        </p:nvSpPr>
+        <p:spPr/>
+        <p:txBody>
+          <a:bodyPr/>
+          <a:lstStyle/>
+          <a:p>
+            <a:pPr algn="ctr"/>
+            <a:r>
+              <a:rPr lang="ko-KR" altLang="en-US" dirty="0"/>
+              <a:t>주요 리눅스 </a:t>
+            </a:r>
+            <a:r>
+              <a:rPr lang="ko-KR" altLang="en-US" dirty="0" err="1"/>
+              <a:t>배포판</a:t>
+            </a:r>
+            <a:r>
+              <a:rPr lang="en-US" altLang="ko-KR" dirty="0"/>
+              <a:t>(1)</a:t>
+            </a:r>
+            <a:endParaRPr lang="ko-KR" altLang="en-US" dirty="0"/>
+          </a:p>
+        </p:txBody>
+      </p:sp>
+      <p:sp>
+        <p:nvSpPr>
+          <p:cNvPr id="5" name="내용 개체 틀 4">
+            <a:extLst>
+              <a:ext uri="{FF2B5EF4-FFF2-40B4-BE49-F238E27FC236}">
+                <a16:creationId xmlns:a16="http://schemas.microsoft.com/office/drawing/2014/main" id="{4F1683D2-F496-49FA-B97A-C0ED32D91158}"/>
+              </a:ext>
+            </a:extLst>
+          </p:cNvPr>
+          <p:cNvSpPr>
+            <a:spLocks noGrp="1"/>
+          </p:cNvSpPr>
+          <p:nvPr>
+            <p:ph idx="1"/>
+          </p:nvPr>
+        </p:nvSpPr>
+        <p:spPr/>
+        <p:txBody>
+          <a:bodyPr>
+            <a:normAutofit/>
+          </a:bodyPr>
+          <a:lstStyle/>
+          <a:p>
+            <a:pPr marL="0" indent="0" algn="ctr">
+              <a:buNone/>
+            </a:pPr>
+            <a:r>
+              <a:rPr lang="en-US" altLang="ko-KR" sz="3600" b="1" dirty="0">
+                <a:solidFill>
+                  <a:srgbClr val="FF0000"/>
+                </a:solidFill>
+              </a:rPr>
+              <a:t>Debian</a:t>
+            </a:r>
+          </a:p>
+          <a:p>
+            <a:pPr marL="0" indent="0" algn="ctr">
+              <a:buNone/>
+            </a:pPr>
+            <a:endParaRPr lang="en-US" altLang="ko-KR" dirty="0"/>
+          </a:p>
+          <a:p>
+            <a:endParaRPr lang="en-US" altLang="ko-KR" dirty="0"/>
+          </a:p>
+          <a:p>
+            <a:r>
+              <a:rPr lang="en-US" altLang="ko-KR" dirty="0"/>
+              <a:t>GNU</a:t>
+            </a:r>
+            <a:r>
+              <a:rPr lang="ko-KR" altLang="en-US" dirty="0"/>
+              <a:t>의 공식적인 후원을 받는 유일한 배포판으로 패키지 설치 및 업그레이드가 단순</a:t>
+            </a:r>
+            <a:endParaRPr lang="en-US" altLang="ko-KR" dirty="0"/>
+          </a:p>
+          <a:p>
+            <a:r>
+              <a:rPr lang="ko-KR" altLang="en-US" dirty="0" err="1"/>
+              <a:t>데비안은</a:t>
+            </a:r>
+            <a:r>
+              <a:rPr lang="ko-KR" altLang="en-US" dirty="0"/>
+              <a:t> 안정성과 보안에 중점을 두어 다른 리눅스 배포판들의 기반으로 사용되고 있음</a:t>
+            </a:r>
+            <a:endParaRPr lang="en-US" altLang="ko-KR" dirty="0"/>
+          </a:p>
+        </p:txBody>
+      </p:sp>
+    </p:spTree>
+    <p:extLst>
+      <p:ext uri="{BB962C8B-B14F-4D97-AF65-F5344CB8AC3E}">
+        <p14:creationId xmlns:p14="http://schemas.microsoft.com/office/powerpoint/2010/main" val="2580963403"/>
+      </p:ext>
+    </p:extLst>
+  </p:cSld>
+  <p:clrMapOvr>
+    <a:masterClrMapping/>
+  </p:clrMapOvr>
+</p:sld>
+</file>
+
+<file path=ppt/slides/slide14.xml><?xml version="1.0" encoding="utf-8"?>
+<p:sld xmlns:a="http://schemas.openxmlformats.org/drawingml/2006/main" xmlns:r="http://schemas.openxmlformats.org/officeDocument/2006/relationships" xmlns:p="http://schemas.openxmlformats.org/presentationml/2006/main">
+  <p:cSld>
+    <p:spTree>
+      <p:nvGrpSpPr>
+        <p:cNvPr id="1" name=""/>
+        <p:cNvGrpSpPr/>
+        <p:nvPr/>
+      </p:nvGrpSpPr>
+      <p:grpSpPr>
+        <a:xfrm>
+          <a:off x="0" y="0"/>
+          <a:ext cx="0" cy="0"/>
+          <a:chOff x="0" y="0"/>
+          <a:chExt cx="0" cy="0"/>
+        </a:xfrm>
+      </p:grpSpPr>
+      <p:sp>
+        <p:nvSpPr>
+          <p:cNvPr id="4" name="제목 3">
+            <a:extLst>
+              <a:ext uri="{FF2B5EF4-FFF2-40B4-BE49-F238E27FC236}">
+                <a16:creationId xmlns:a16="http://schemas.microsoft.com/office/drawing/2014/main" id="{4D36BA04-FD09-4A05-B1BB-1C672C20AE5C}"/>
+              </a:ext>
+            </a:extLst>
+          </p:cNvPr>
+          <p:cNvSpPr>
+            <a:spLocks noGrp="1"/>
+          </p:cNvSpPr>
+          <p:nvPr>
+            <p:ph type="title"/>
+          </p:nvPr>
+        </p:nvSpPr>
+        <p:spPr/>
+        <p:txBody>
+          <a:bodyPr/>
+          <a:lstStyle/>
+          <a:p>
+            <a:pPr algn="ctr"/>
+            <a:r>
+              <a:rPr lang="ko-KR" altLang="en-US" dirty="0"/>
+              <a:t>주요 리눅스 </a:t>
+            </a:r>
+            <a:r>
+              <a:rPr lang="ko-KR" altLang="en-US" dirty="0" err="1"/>
+              <a:t>배포판</a:t>
+            </a:r>
+            <a:r>
+              <a:rPr lang="en-US" altLang="ko-KR" dirty="0"/>
+              <a:t>(2)</a:t>
+            </a:r>
+            <a:endParaRPr lang="ko-KR" altLang="en-US" dirty="0"/>
+          </a:p>
+        </p:txBody>
+      </p:sp>
+      <p:sp>
+        <p:nvSpPr>
+          <p:cNvPr id="5" name="내용 개체 틀 4">
+            <a:extLst>
+              <a:ext uri="{FF2B5EF4-FFF2-40B4-BE49-F238E27FC236}">
+                <a16:creationId xmlns:a16="http://schemas.microsoft.com/office/drawing/2014/main" id="{4F1683D2-F496-49FA-B97A-C0ED32D91158}"/>
+              </a:ext>
+            </a:extLst>
+          </p:cNvPr>
+          <p:cNvSpPr>
+            <a:spLocks noGrp="1"/>
+          </p:cNvSpPr>
+          <p:nvPr>
+            <p:ph idx="1"/>
+          </p:nvPr>
+        </p:nvSpPr>
+        <p:spPr/>
+        <p:txBody>
+          <a:bodyPr>
+            <a:normAutofit lnSpcReduction="10000"/>
+          </a:bodyPr>
+          <a:lstStyle/>
+          <a:p>
+            <a:pPr marL="0" indent="0" algn="ctr">
+              <a:buNone/>
+            </a:pPr>
+            <a:r>
+              <a:rPr lang="en-US" altLang="ko-KR" sz="3600" b="1" dirty="0" err="1">
+                <a:solidFill>
+                  <a:srgbClr val="FF0000"/>
+                </a:solidFill>
+              </a:rPr>
+              <a:t>Redhat</a:t>
+            </a:r>
+            <a:endParaRPr lang="en-US" altLang="ko-KR" sz="3600" b="1" dirty="0">
+              <a:solidFill>
+                <a:srgbClr val="FF0000"/>
+              </a:solidFill>
+            </a:endParaRPr>
+          </a:p>
+          <a:p>
+            <a:pPr marL="0" indent="0" algn="ctr">
+              <a:buNone/>
+            </a:pPr>
+            <a:endParaRPr lang="en-US" altLang="ko-KR" dirty="0"/>
+          </a:p>
+          <a:p>
+            <a:endParaRPr lang="en-US" altLang="ko-KR" dirty="0"/>
+          </a:p>
+          <a:p>
+            <a:r>
+              <a:rPr lang="ko-KR" altLang="en-US" dirty="0"/>
+              <a:t>세계적으로 가장 인기 많은 </a:t>
+            </a:r>
+            <a:r>
+              <a:rPr lang="ko-KR" altLang="en-US" dirty="0" err="1"/>
+              <a:t>배포판</a:t>
+            </a:r>
+            <a:endParaRPr lang="en-US" altLang="ko-KR" dirty="0"/>
+          </a:p>
+          <a:p>
+            <a:r>
+              <a:rPr lang="ko-KR" altLang="en-US" dirty="0"/>
+              <a:t>무료로 사용하거나 기술지원을 받는 배포판으로 나뉨</a:t>
+            </a:r>
+            <a:endParaRPr lang="en-US" altLang="ko-KR" dirty="0"/>
+          </a:p>
+          <a:p>
+            <a:r>
+              <a:rPr lang="ko-KR" altLang="en-US" dirty="0"/>
+              <a:t>유료로 기술지원을 하는 기업용 리눅스인 </a:t>
+            </a:r>
+            <a:r>
+              <a:rPr lang="ko-KR" altLang="en-US" dirty="0" err="1"/>
+              <a:t>레드햇</a:t>
+            </a:r>
+            <a:r>
+              <a:rPr lang="ko-KR" altLang="en-US" dirty="0"/>
+              <a:t> 엔터프라이즈 리눅스를 배포함</a:t>
+            </a:r>
+            <a:endParaRPr lang="en-US" altLang="ko-KR" dirty="0"/>
+          </a:p>
+          <a:p>
+            <a:endParaRPr lang="en-US" altLang="ko-KR" dirty="0"/>
+          </a:p>
+          <a:p>
+            <a:pPr marL="0" indent="0">
+              <a:buNone/>
+            </a:pPr>
+            <a:r>
+              <a:rPr lang="en-US" altLang="ko-KR" sz="1400" dirty="0"/>
+              <a:t>* </a:t>
+            </a:r>
+            <a:r>
+              <a:rPr lang="ko-KR" altLang="en-US" sz="1400" dirty="0" err="1"/>
+              <a:t>레드햇</a:t>
+            </a:r>
+            <a:r>
+              <a:rPr lang="ko-KR" altLang="en-US" sz="1400" dirty="0"/>
+              <a:t> 엔터프라이즈 리눅스</a:t>
+            </a:r>
+            <a:r>
+              <a:rPr lang="en-US" altLang="ko-KR" sz="1400" dirty="0"/>
+              <a:t>: </a:t>
+            </a:r>
+            <a:r>
+              <a:rPr lang="ko-KR" altLang="en-US" sz="1400" dirty="0" err="1"/>
+              <a:t>레드햇이</a:t>
+            </a:r>
+            <a:r>
+              <a:rPr lang="ko-KR" altLang="en-US" sz="1400" dirty="0"/>
+              <a:t> 개발하여 판매하는 상용 리눅스 </a:t>
+            </a:r>
+            <a:r>
+              <a:rPr lang="ko-KR" altLang="en-US" sz="1400" dirty="0" err="1"/>
+              <a:t>배포판</a:t>
+            </a:r>
+            <a:endParaRPr lang="en-US" altLang="ko-KR" sz="1400" dirty="0"/>
+          </a:p>
+          <a:p>
+            <a:endParaRPr lang="en-US" altLang="ko-KR" dirty="0"/>
+          </a:p>
+        </p:txBody>
+      </p:sp>
+    </p:spTree>
+    <p:extLst>
+      <p:ext uri="{BB962C8B-B14F-4D97-AF65-F5344CB8AC3E}">
+        <p14:creationId xmlns:p14="http://schemas.microsoft.com/office/powerpoint/2010/main" val="3071049253"/>
+      </p:ext>
+    </p:extLst>
+  </p:cSld>
+  <p:clrMapOvr>
+    <a:masterClrMapping/>
+  </p:clrMapOvr>
+</p:sld>
+</file>
+
+<file path=ppt/slides/slide15.xml><?xml version="1.0" encoding="utf-8"?>
+<p:sld xmlns:a="http://schemas.openxmlformats.org/drawingml/2006/main" xmlns:r="http://schemas.openxmlformats.org/officeDocument/2006/relationships" xmlns:p="http://schemas.openxmlformats.org/presentationml/2006/main">
+  <p:cSld>
+    <p:spTree>
+      <p:nvGrpSpPr>
+        <p:cNvPr id="1" name=""/>
+        <p:cNvGrpSpPr/>
+        <p:nvPr/>
+      </p:nvGrpSpPr>
+      <p:grpSpPr>
+        <a:xfrm>
+          <a:off x="0" y="0"/>
+          <a:ext cx="0" cy="0"/>
+          <a:chOff x="0" y="0"/>
+          <a:chExt cx="0" cy="0"/>
+        </a:xfrm>
+      </p:grpSpPr>
+      <p:sp>
+        <p:nvSpPr>
+          <p:cNvPr id="4" name="제목 3">
+            <a:extLst>
+              <a:ext uri="{FF2B5EF4-FFF2-40B4-BE49-F238E27FC236}">
+                <a16:creationId xmlns:a16="http://schemas.microsoft.com/office/drawing/2014/main" id="{4D36BA04-FD09-4A05-B1BB-1C672C20AE5C}"/>
+              </a:ext>
+            </a:extLst>
+          </p:cNvPr>
+          <p:cNvSpPr>
+            <a:spLocks noGrp="1"/>
+          </p:cNvSpPr>
+          <p:nvPr>
+            <p:ph type="title"/>
+          </p:nvPr>
+        </p:nvSpPr>
+        <p:spPr/>
+        <p:txBody>
+          <a:bodyPr/>
+          <a:lstStyle/>
+          <a:p>
+            <a:pPr algn="ctr"/>
+            <a:r>
+              <a:rPr lang="ko-KR" altLang="en-US" dirty="0"/>
+              <a:t>주요 리눅스 </a:t>
+            </a:r>
+            <a:r>
+              <a:rPr lang="ko-KR" altLang="en-US" dirty="0" err="1"/>
+              <a:t>배포판</a:t>
+            </a:r>
+            <a:r>
+              <a:rPr lang="en-US" altLang="ko-KR" dirty="0"/>
+              <a:t>(3)</a:t>
+            </a:r>
+            <a:endParaRPr lang="ko-KR" altLang="en-US" dirty="0"/>
+          </a:p>
+        </p:txBody>
+      </p:sp>
+      <p:sp>
+        <p:nvSpPr>
+          <p:cNvPr id="5" name="내용 개체 틀 4">
+            <a:extLst>
+              <a:ext uri="{FF2B5EF4-FFF2-40B4-BE49-F238E27FC236}">
+                <a16:creationId xmlns:a16="http://schemas.microsoft.com/office/drawing/2014/main" id="{4F1683D2-F496-49FA-B97A-C0ED32D91158}"/>
+              </a:ext>
+            </a:extLst>
+          </p:cNvPr>
+          <p:cNvSpPr>
+            <a:spLocks noGrp="1"/>
+          </p:cNvSpPr>
+          <p:nvPr>
+            <p:ph idx="1"/>
+          </p:nvPr>
+        </p:nvSpPr>
+        <p:spPr/>
+        <p:txBody>
+          <a:bodyPr>
+            <a:normAutofit/>
+          </a:bodyPr>
+          <a:lstStyle/>
+          <a:p>
+            <a:pPr marL="0" indent="0" algn="ctr">
+              <a:buNone/>
+            </a:pPr>
+            <a:r>
+              <a:rPr lang="en-US" altLang="ko-KR" sz="3600" b="1" dirty="0">
+                <a:solidFill>
+                  <a:srgbClr val="FF0000"/>
+                </a:solidFill>
+              </a:rPr>
+              <a:t>Fedora</a:t>
+            </a:r>
+            <a:endParaRPr lang="en-US" altLang="ko-KR" dirty="0"/>
+          </a:p>
+          <a:p>
+            <a:endParaRPr lang="en-US" altLang="ko-KR" dirty="0"/>
+          </a:p>
+          <a:p>
+            <a:r>
+              <a:rPr lang="ko-KR" altLang="en-US" sz="2600" dirty="0" err="1"/>
+              <a:t>레드햇에서</a:t>
+            </a:r>
+            <a:r>
+              <a:rPr lang="ko-KR" altLang="en-US" sz="2600" dirty="0"/>
+              <a:t> 후원하는 </a:t>
+            </a:r>
+            <a:r>
+              <a:rPr lang="ko-KR" altLang="en-US" sz="2600" dirty="0" err="1"/>
+              <a:t>페도라</a:t>
+            </a:r>
+            <a:r>
+              <a:rPr lang="ko-KR" altLang="en-US" sz="2600" dirty="0"/>
+              <a:t> 프로젝트에서 개발한 </a:t>
+            </a:r>
+            <a:r>
+              <a:rPr lang="en-US" altLang="ko-KR" sz="2600" dirty="0"/>
+              <a:t>RPM</a:t>
+            </a:r>
+            <a:r>
+              <a:rPr lang="ko-KR" altLang="en-US" sz="2600" dirty="0"/>
+              <a:t>기반의 리눅스 </a:t>
+            </a:r>
+            <a:r>
+              <a:rPr lang="ko-KR" altLang="en-US" sz="2600" dirty="0" err="1"/>
+              <a:t>배포판</a:t>
+            </a:r>
+            <a:endParaRPr lang="en-US" altLang="ko-KR" sz="2600" dirty="0"/>
+          </a:p>
+          <a:p>
+            <a:r>
+              <a:rPr lang="ko-KR" altLang="en-US" sz="2600" dirty="0"/>
+              <a:t>개인이나 기업 등 다양한 환경에서 사용 될 수 있도록 만들어진 리눅스</a:t>
+            </a:r>
+            <a:endParaRPr lang="en-US" altLang="ko-KR" sz="2600" dirty="0"/>
+          </a:p>
+          <a:p>
+            <a:r>
+              <a:rPr lang="ko-KR" altLang="en-US" sz="2600" dirty="0"/>
+              <a:t>다른 리눅스 배포판에 비해 </a:t>
+            </a:r>
+            <a:r>
+              <a:rPr lang="en-US" altLang="ko-KR" sz="2600" dirty="0"/>
+              <a:t>6</a:t>
+            </a:r>
+            <a:r>
+              <a:rPr lang="ko-KR" altLang="en-US" sz="2600" dirty="0"/>
+              <a:t>개월 간격으로 새로운 버전이 배포되어 상대적으로 짧은 교환주기 이며</a:t>
+            </a:r>
+            <a:r>
+              <a:rPr lang="en-US" altLang="ko-KR" sz="2600" dirty="0"/>
+              <a:t>, </a:t>
+            </a:r>
+            <a:r>
+              <a:rPr lang="ko-KR" altLang="en-US" sz="2600" dirty="0"/>
+              <a:t>또한 각 버전마다 </a:t>
+            </a:r>
+            <a:r>
+              <a:rPr lang="en-US" altLang="ko-KR" sz="2600" dirty="0"/>
+              <a:t>13</a:t>
+            </a:r>
+            <a:r>
+              <a:rPr lang="ko-KR" altLang="en-US" sz="2600" dirty="0"/>
+              <a:t>개월 씩만 지원함</a:t>
+            </a:r>
+            <a:endParaRPr lang="en-US" altLang="ko-KR" sz="2600" dirty="0"/>
+          </a:p>
+          <a:p>
+            <a:endParaRPr lang="en-US" altLang="ko-KR" dirty="0"/>
+          </a:p>
+          <a:p>
+            <a:pPr marL="0" indent="0">
+              <a:buNone/>
+            </a:pPr>
+            <a:r>
+              <a:rPr lang="en-US" altLang="ko-KR" sz="1700" dirty="0"/>
+              <a:t>*RPM : </a:t>
+            </a:r>
+            <a:r>
+              <a:rPr lang="en-US" altLang="ko-KR" sz="1700" dirty="0" err="1"/>
+              <a:t>Redhat</a:t>
+            </a:r>
+            <a:r>
+              <a:rPr lang="en-US" altLang="ko-KR" sz="1700" dirty="0"/>
+              <a:t> </a:t>
+            </a:r>
+            <a:r>
+              <a:rPr lang="en-US" altLang="ko-KR" sz="1700" dirty="0" err="1"/>
+              <a:t>Pakage</a:t>
+            </a:r>
+            <a:r>
+              <a:rPr lang="en-US" altLang="ko-KR" sz="1700" dirty="0"/>
+              <a:t> Manager</a:t>
+            </a:r>
+            <a:r>
+              <a:rPr lang="ko-KR" altLang="en-US" sz="1700" dirty="0"/>
+              <a:t>의 약자로 </a:t>
+            </a:r>
+            <a:r>
+              <a:rPr lang="ko-KR" altLang="en-US" sz="1700" dirty="0" err="1"/>
+              <a:t>레드햇이</a:t>
+            </a:r>
+            <a:r>
+              <a:rPr lang="ko-KR" altLang="en-US" sz="1700" dirty="0"/>
+              <a:t> 개발한 패키지 배포와 관리시스템</a:t>
+            </a:r>
+            <a:endParaRPr lang="en-US" altLang="ko-KR" sz="1700" dirty="0"/>
+          </a:p>
+        </p:txBody>
+      </p:sp>
+    </p:spTree>
+    <p:extLst>
+      <p:ext uri="{BB962C8B-B14F-4D97-AF65-F5344CB8AC3E}">
+        <p14:creationId xmlns:p14="http://schemas.microsoft.com/office/powerpoint/2010/main" val="3885593798"/>
+      </p:ext>
+    </p:extLst>
+  </p:cSld>
+  <p:clrMapOvr>
+    <a:masterClrMapping/>
+  </p:clrMapOvr>
+</p:sld>
+</file>
+
+<file path=ppt/slides/slide16.xml><?xml version="1.0" encoding="utf-8"?>
+<p:sld xmlns:a="http://schemas.openxmlformats.org/drawingml/2006/main" xmlns:r="http://schemas.openxmlformats.org/officeDocument/2006/relationships" xmlns:p="http://schemas.openxmlformats.org/presentationml/2006/main">
+  <p:cSld>
+    <p:spTree>
+      <p:nvGrpSpPr>
+        <p:cNvPr id="1" name=""/>
+        <p:cNvGrpSpPr/>
+        <p:nvPr/>
+      </p:nvGrpSpPr>
+      <p:grpSpPr>
+        <a:xfrm>
+          <a:off x="0" y="0"/>
+          <a:ext cx="0" cy="0"/>
+          <a:chOff x="0" y="0"/>
+          <a:chExt cx="0" cy="0"/>
+        </a:xfrm>
+      </p:grpSpPr>
+      <p:sp>
+        <p:nvSpPr>
+          <p:cNvPr id="4" name="제목 3">
+            <a:extLst>
+              <a:ext uri="{FF2B5EF4-FFF2-40B4-BE49-F238E27FC236}">
+                <a16:creationId xmlns:a16="http://schemas.microsoft.com/office/drawing/2014/main" id="{4D36BA04-FD09-4A05-B1BB-1C672C20AE5C}"/>
+              </a:ext>
+            </a:extLst>
+          </p:cNvPr>
+          <p:cNvSpPr>
+            <a:spLocks noGrp="1"/>
+          </p:cNvSpPr>
+          <p:nvPr>
+            <p:ph type="title"/>
+          </p:nvPr>
+        </p:nvSpPr>
+        <p:spPr/>
+        <p:txBody>
+          <a:bodyPr/>
+          <a:lstStyle/>
+          <a:p>
+            <a:pPr algn="ctr"/>
+            <a:r>
+              <a:rPr lang="ko-KR" altLang="en-US" dirty="0"/>
+              <a:t>주요 리눅스 </a:t>
+            </a:r>
+            <a:r>
+              <a:rPr lang="ko-KR" altLang="en-US" dirty="0" err="1"/>
+              <a:t>배포판</a:t>
+            </a:r>
+            <a:r>
+              <a:rPr lang="en-US" altLang="ko-KR" dirty="0"/>
+              <a:t>(4)</a:t>
+            </a:r>
+            <a:endParaRPr lang="ko-KR" altLang="en-US" dirty="0"/>
+          </a:p>
+        </p:txBody>
+      </p:sp>
+      <p:sp>
+        <p:nvSpPr>
+          <p:cNvPr id="5" name="내용 개체 틀 4">
+            <a:extLst>
+              <a:ext uri="{FF2B5EF4-FFF2-40B4-BE49-F238E27FC236}">
+                <a16:creationId xmlns:a16="http://schemas.microsoft.com/office/drawing/2014/main" id="{4F1683D2-F496-49FA-B97A-C0ED32D91158}"/>
+              </a:ext>
+            </a:extLst>
+          </p:cNvPr>
+          <p:cNvSpPr>
+            <a:spLocks noGrp="1"/>
+          </p:cNvSpPr>
+          <p:nvPr>
+            <p:ph idx="1"/>
+          </p:nvPr>
+        </p:nvSpPr>
+        <p:spPr/>
+        <p:txBody>
+          <a:bodyPr>
+            <a:normAutofit/>
+          </a:bodyPr>
+          <a:lstStyle/>
+          <a:p>
+            <a:pPr marL="0" indent="0" algn="ctr">
+              <a:buNone/>
+            </a:pPr>
+            <a:r>
+              <a:rPr lang="en-US" altLang="ko-KR" sz="3600" b="1" dirty="0">
+                <a:solidFill>
+                  <a:srgbClr val="FF0000"/>
+                </a:solidFill>
+              </a:rPr>
+              <a:t>Ubuntu</a:t>
+            </a:r>
+            <a:endParaRPr lang="en-US" altLang="ko-KR" dirty="0"/>
+          </a:p>
+          <a:p>
+            <a:endParaRPr lang="en-US" altLang="ko-KR" dirty="0"/>
+          </a:p>
+          <a:p>
+            <a:r>
+              <a:rPr lang="ko-KR" altLang="en-US" dirty="0"/>
+              <a:t>데스크톱에서 리눅스를 쉽게 사용 할 수 있도록 만들어진 리눅스 </a:t>
+            </a:r>
+            <a:r>
+              <a:rPr lang="ko-KR" altLang="en-US" dirty="0" err="1"/>
+              <a:t>배포판</a:t>
+            </a:r>
+            <a:endParaRPr lang="en-US" altLang="ko-KR" dirty="0"/>
+          </a:p>
+          <a:p>
+            <a:r>
+              <a:rPr lang="ko-KR" altLang="en-US" dirty="0" err="1"/>
+              <a:t>데비안</a:t>
+            </a:r>
+            <a:r>
+              <a:rPr lang="en-US" altLang="ko-KR" dirty="0"/>
+              <a:t>/GNU/</a:t>
+            </a:r>
+            <a:r>
+              <a:rPr lang="ko-KR" altLang="en-US" dirty="0"/>
+              <a:t>리눅스에 기초한 리눅스로 고유의 데스크톱 환경인 유니티를 사용함</a:t>
+            </a:r>
+            <a:endParaRPr lang="en-US" altLang="ko-KR" dirty="0"/>
+          </a:p>
+          <a:p>
+            <a:r>
+              <a:rPr lang="en-US" altLang="ko-KR" dirty="0"/>
+              <a:t>6</a:t>
+            </a:r>
+            <a:r>
+              <a:rPr lang="ko-KR" altLang="en-US" dirty="0"/>
+              <a:t>개월에 한번씩 새 판이 나오며</a:t>
+            </a:r>
+            <a:r>
+              <a:rPr lang="en-US" altLang="ko-KR" dirty="0"/>
+              <a:t>, </a:t>
+            </a:r>
+            <a:r>
+              <a:rPr lang="ko-KR" altLang="en-US" dirty="0"/>
+              <a:t>사용자 편의성에 많은 초점을 맞추고 있음</a:t>
+            </a:r>
+            <a:endParaRPr lang="en-US" altLang="ko-KR" dirty="0"/>
+          </a:p>
+        </p:txBody>
+      </p:sp>
+    </p:spTree>
+    <p:extLst>
+      <p:ext uri="{BB962C8B-B14F-4D97-AF65-F5344CB8AC3E}">
+        <p14:creationId xmlns:p14="http://schemas.microsoft.com/office/powerpoint/2010/main" val="3707543758"/>
+      </p:ext>
+    </p:extLst>
+  </p:cSld>
+  <p:clrMapOvr>
+    <a:masterClrMapping/>
+  </p:clrMapOvr>
+</p:sld>
+</file>
+
+<file path=ppt/slides/slide17.xml><?xml version="1.0" encoding="utf-8"?>
+<p:sld xmlns:a="http://schemas.openxmlformats.org/drawingml/2006/main" xmlns:r="http://schemas.openxmlformats.org/officeDocument/2006/relationships" xmlns:p="http://schemas.openxmlformats.org/presentationml/2006/main">
+  <p:cSld>
+    <p:spTree>
+      <p:nvGrpSpPr>
+        <p:cNvPr id="1" name=""/>
+        <p:cNvGrpSpPr/>
+        <p:nvPr/>
+      </p:nvGrpSpPr>
+      <p:grpSpPr>
+        <a:xfrm>
+          <a:off x="0" y="0"/>
+          <a:ext cx="0" cy="0"/>
+          <a:chOff x="0" y="0"/>
+          <a:chExt cx="0" cy="0"/>
+        </a:xfrm>
+      </p:grpSpPr>
+      <p:sp>
+        <p:nvSpPr>
+          <p:cNvPr id="4" name="제목 3">
+            <a:extLst>
+              <a:ext uri="{FF2B5EF4-FFF2-40B4-BE49-F238E27FC236}">
+                <a16:creationId xmlns:a16="http://schemas.microsoft.com/office/drawing/2014/main" id="{4D36BA04-FD09-4A05-B1BB-1C672C20AE5C}"/>
+              </a:ext>
+            </a:extLst>
+          </p:cNvPr>
+          <p:cNvSpPr>
+            <a:spLocks noGrp="1"/>
+          </p:cNvSpPr>
+          <p:nvPr>
+            <p:ph type="title"/>
+          </p:nvPr>
+        </p:nvSpPr>
+        <p:spPr/>
+        <p:txBody>
+          <a:bodyPr/>
+          <a:lstStyle/>
+          <a:p>
+            <a:pPr algn="ctr"/>
+            <a:r>
+              <a:rPr lang="ko-KR" altLang="en-US" dirty="0"/>
+              <a:t>주요 리눅스 </a:t>
+            </a:r>
+            <a:r>
+              <a:rPr lang="ko-KR" altLang="en-US" dirty="0" err="1"/>
+              <a:t>배포판</a:t>
+            </a:r>
+            <a:r>
+              <a:rPr lang="en-US" altLang="ko-KR" dirty="0"/>
+              <a:t>(5)</a:t>
+            </a:r>
+            <a:endParaRPr lang="ko-KR" altLang="en-US" dirty="0"/>
+          </a:p>
+        </p:txBody>
+      </p:sp>
+      <p:sp>
+        <p:nvSpPr>
+          <p:cNvPr id="5" name="내용 개체 틀 4">
+            <a:extLst>
+              <a:ext uri="{FF2B5EF4-FFF2-40B4-BE49-F238E27FC236}">
+                <a16:creationId xmlns:a16="http://schemas.microsoft.com/office/drawing/2014/main" id="{4F1683D2-F496-49FA-B97A-C0ED32D91158}"/>
+              </a:ext>
+            </a:extLst>
+          </p:cNvPr>
+          <p:cNvSpPr>
+            <a:spLocks noGrp="1"/>
+          </p:cNvSpPr>
+          <p:nvPr>
+            <p:ph idx="1"/>
+          </p:nvPr>
+        </p:nvSpPr>
+        <p:spPr/>
+        <p:txBody>
+          <a:bodyPr>
+            <a:normAutofit/>
+          </a:bodyPr>
+          <a:lstStyle/>
+          <a:p>
+            <a:pPr marL="0" indent="0" algn="ctr">
+              <a:buNone/>
+            </a:pPr>
+            <a:r>
+              <a:rPr lang="en-US" altLang="ko-KR" sz="3600" b="1" dirty="0">
+                <a:solidFill>
+                  <a:srgbClr val="FF0000"/>
+                </a:solidFill>
+              </a:rPr>
+              <a:t>CentOS</a:t>
+            </a:r>
+            <a:endParaRPr lang="en-US" altLang="ko-KR" dirty="0"/>
+          </a:p>
+          <a:p>
+            <a:endParaRPr lang="en-US" altLang="ko-KR" dirty="0"/>
+          </a:p>
+          <a:p>
+            <a:r>
+              <a:rPr lang="ko-KR" altLang="en-US" dirty="0" err="1"/>
+              <a:t>업스트림</a:t>
+            </a:r>
+            <a:r>
+              <a:rPr lang="ko-KR" altLang="en-US" dirty="0"/>
+              <a:t> 소스인 </a:t>
+            </a:r>
+            <a:r>
+              <a:rPr lang="ko-KR" altLang="en-US" dirty="0" err="1"/>
+              <a:t>레드햇</a:t>
+            </a:r>
+            <a:r>
+              <a:rPr lang="ko-KR" altLang="en-US" dirty="0"/>
+              <a:t> 엔터프라이즈 리눅스와 완벽하게 호환됨</a:t>
+            </a:r>
+            <a:endParaRPr lang="en-US" altLang="ko-KR" dirty="0"/>
+          </a:p>
+          <a:p>
+            <a:r>
+              <a:rPr lang="ko-KR" altLang="en-US" dirty="0"/>
+              <a:t>무료 기업용 컴퓨팅 플랫폼을 제공하기 위해 만들어진 리눅스</a:t>
+            </a:r>
+            <a:endParaRPr lang="en-US" altLang="ko-KR" dirty="0"/>
+          </a:p>
+          <a:p>
+            <a:r>
+              <a:rPr lang="ko-KR" altLang="en-US" dirty="0" err="1"/>
+              <a:t>레드햇의</a:t>
+            </a:r>
+            <a:r>
+              <a:rPr lang="ko-KR" altLang="en-US" dirty="0"/>
+              <a:t> 소스코드를 그대로 빌드하고 </a:t>
+            </a:r>
+            <a:r>
+              <a:rPr lang="ko-KR" altLang="en-US" dirty="0" err="1"/>
+              <a:t>레드햇</a:t>
+            </a:r>
+            <a:r>
+              <a:rPr lang="ko-KR" altLang="en-US" dirty="0"/>
+              <a:t> 상표대신 </a:t>
+            </a:r>
+            <a:r>
+              <a:rPr lang="en-US" altLang="ko-KR" dirty="0"/>
+              <a:t>CentOS</a:t>
+            </a:r>
+            <a:r>
+              <a:rPr lang="ko-KR" altLang="en-US" dirty="0"/>
+              <a:t>라는 상표가 붙어 </a:t>
+            </a:r>
+            <a:r>
+              <a:rPr lang="ko-KR" altLang="en-US" dirty="0" err="1"/>
+              <a:t>레드햇</a:t>
+            </a:r>
+            <a:r>
+              <a:rPr lang="ko-KR" altLang="en-US" dirty="0"/>
+              <a:t> 업데이트를 가장 잘 </a:t>
+            </a:r>
+            <a:r>
+              <a:rPr lang="ko-KR" altLang="en-US" dirty="0" err="1"/>
+              <a:t>따라감</a:t>
+            </a:r>
+            <a:endParaRPr lang="en-US" altLang="ko-KR" dirty="0"/>
+          </a:p>
+          <a:p>
+            <a:r>
+              <a:rPr lang="ko-KR" altLang="en-US" dirty="0"/>
+              <a:t>단</a:t>
+            </a:r>
+            <a:r>
+              <a:rPr lang="en-US" altLang="ko-KR" dirty="0"/>
+              <a:t>, </a:t>
+            </a:r>
+            <a:r>
+              <a:rPr lang="ko-KR" altLang="en-US" dirty="0" err="1"/>
+              <a:t>레드햇의</a:t>
+            </a:r>
+            <a:r>
+              <a:rPr lang="ko-KR" altLang="en-US" dirty="0"/>
+              <a:t> 기술지원을 받지 않고 자체 커뮤니티에 의해 관리</a:t>
+            </a:r>
+            <a:endParaRPr lang="en-US" altLang="ko-KR" dirty="0"/>
+          </a:p>
+        </p:txBody>
+      </p:sp>
+    </p:spTree>
+    <p:extLst>
+      <p:ext uri="{BB962C8B-B14F-4D97-AF65-F5344CB8AC3E}">
+        <p14:creationId xmlns:p14="http://schemas.microsoft.com/office/powerpoint/2010/main" val="2731985601"/>
+      </p:ext>
+    </p:extLst>
+  </p:cSld>
+  <p:clrMapOvr>
+    <a:masterClrMapping/>
+  </p:clrMapOvr>
+</p:sld>
+</file>
+
+<file path=ppt/slides/slide18.xml><?xml version="1.0" encoding="utf-8"?>
+<p:sld xmlns:a="http://schemas.openxmlformats.org/drawingml/2006/main" xmlns:r="http://schemas.openxmlformats.org/officeDocument/2006/relationships" xmlns:p="http://schemas.openxmlformats.org/presentationml/2006/main">
+  <p:cSld>
+    <p:spTree>
+      <p:nvGrpSpPr>
+        <p:cNvPr id="1" name=""/>
+        <p:cNvGrpSpPr/>
+        <p:nvPr/>
+      </p:nvGrpSpPr>
+      <p:grpSpPr>
+        <a:xfrm>
+          <a:off x="0" y="0"/>
+          <a:ext cx="0" cy="0"/>
+          <a:chOff x="0" y="0"/>
+          <a:chExt cx="0" cy="0"/>
+        </a:xfrm>
+      </p:grpSpPr>
+      <p:sp>
+        <p:nvSpPr>
           <p:cNvPr id="2" name="제목 1">
             <a:extLst>
               <a:ext uri="{FF2B5EF4-FFF2-40B4-BE49-F238E27FC236}">
@@ -3706,11 +4605,7 @@
           </p:cNvGraphicFramePr>
           <p:nvPr>
             <p:ph idx="1"/>
-            <p:extLst>
-              <p:ext uri="{D42A27DB-BD31-4B8C-83A1-F6EECF244321}">
-                <p14:modId xmlns:p14="http://schemas.microsoft.com/office/powerpoint/2010/main" val="2401633117"/>
-              </p:ext>
-            </p:extLst>
+            <p:extLst/>
           </p:nvPr>
         </p:nvGraphicFramePr>
         <p:xfrm>
@@ -4245,7 +5140,7 @@
     </p:spTree>
     <p:extLst>
       <p:ext uri="{BB962C8B-B14F-4D97-AF65-F5344CB8AC3E}">
-        <p14:creationId xmlns:p14="http://schemas.microsoft.com/office/powerpoint/2010/main" val="2785284900"/>
+        <p14:creationId xmlns:p14="http://schemas.microsoft.com/office/powerpoint/2010/main" val="3569819217"/>
       </p:ext>
     </p:extLst>
   </p:cSld>
